--- a/ProjectMakeItSo/GraphingPresentation/Graphing Algorithms.pptx
+++ b/ProjectMakeItSo/GraphingPresentation/Graphing Algorithms.pptx
@@ -8,7 +8,8 @@
     <p:sldId id="257" r:id="rId5"/>
     <p:sldId id="259" r:id="rId6"/>
     <p:sldId id="260" r:id="rId7"/>
-    <p:sldId id="261" r:id="rId8"/>
+    <p:sldId id="263" r:id="rId8"/>
+    <p:sldId id="262" r:id="rId9"/>
   </p:sldIdLst>
   <p:sldSz cx="12192000" cy="6858000"/>
   <p:notesSz cx="6858000" cy="9144000"/>
@@ -4965,7 +4966,7 @@
           <p:cNvPr id="2" name="Title 1">
             <a:extLst>
               <a:ext uri="{FF2B5EF4-FFF2-40B4-BE49-F238E27FC236}">
-                <a16:creationId xmlns:a16="http://schemas.microsoft.com/office/drawing/2014/main" id="{CB85DC0F-BEED-4B62-9EA3-DB639928D996}"/>
+                <a16:creationId xmlns:a16="http://schemas.microsoft.com/office/drawing/2014/main" id="{3B8357F4-B9E1-479F-AAFE-D94D519C043D}"/>
               </a:ext>
             </a:extLst>
           </p:cNvPr>
@@ -4983,17 +4984,17 @@
           <a:p>
             <a:r>
               <a:rPr lang="en-US" dirty="0"/>
-              <a:t>Applications</a:t>
-            </a:r>
-          </a:p>
-        </p:txBody>
-      </p:sp>
-      <p:sp>
-        <p:nvSpPr>
-          <p:cNvPr id="3" name="Content Placeholder 2">
+              <a:t>  </a:t>
+            </a:r>
+          </a:p>
+        </p:txBody>
+      </p:sp>
+      <p:sp>
+        <p:nvSpPr>
+          <p:cNvPr id="3" name="Text Placeholder 2">
             <a:extLst>
               <a:ext uri="{FF2B5EF4-FFF2-40B4-BE49-F238E27FC236}">
-                <a16:creationId xmlns:a16="http://schemas.microsoft.com/office/drawing/2014/main" id="{2C835493-4ECB-461F-ABF3-6BA90A000532}"/>
+                <a16:creationId xmlns:a16="http://schemas.microsoft.com/office/drawing/2014/main" id="{C62ACF0C-071D-44C9-BCDD-6FD9AE315A6C}"/>
               </a:ext>
             </a:extLst>
           </p:cNvPr>
@@ -5001,7 +5002,7 @@
             <a:spLocks noGrp="1"/>
           </p:cNvSpPr>
           <p:nvPr>
-            <p:ph idx="1"/>
+            <p:ph type="body" idx="1"/>
           </p:nvPr>
         </p:nvSpPr>
         <p:spPr/>
@@ -5009,24 +5010,56 @@
           <a:bodyPr/>
           <a:lstStyle/>
           <a:p>
-            <a:endParaRPr lang="en-US" dirty="0"/>
-          </a:p>
-        </p:txBody>
-      </p:sp>
-      <p:sp>
-        <p:nvSpPr>
-          <p:cNvPr id="4" name="Text Placeholder 3">
+            <a:r>
+              <a:rPr lang="en-US" dirty="0"/>
+              <a:t>Cycle Detection</a:t>
+            </a:r>
+          </a:p>
+        </p:txBody>
+      </p:sp>
+      <p:pic>
+        <p:nvPicPr>
+          <p:cNvPr id="8" name="Content Placeholder 7" descr="Diagram&#10;&#10;Description automatically generated">
             <a:extLst>
               <a:ext uri="{FF2B5EF4-FFF2-40B4-BE49-F238E27FC236}">
-                <a16:creationId xmlns:a16="http://schemas.microsoft.com/office/drawing/2014/main" id="{6A60E05C-7D3B-4081-8703-257C7A6354B4}"/>
+                <a16:creationId xmlns:a16="http://schemas.microsoft.com/office/drawing/2014/main" id="{C0BCC672-212C-4921-872B-3E2DED929337}"/>
               </a:ext>
             </a:extLst>
           </p:cNvPr>
-          <p:cNvSpPr>
-            <a:spLocks noGrp="1"/>
-          </p:cNvSpPr>
-          <p:nvPr>
-            <p:ph type="body" sz="half" idx="2"/>
+          <p:cNvPicPr>
+            <a:picLocks noGrp="1" noChangeAspect="1"/>
+          </p:cNvPicPr>
+          <p:nvPr>
+            <p:ph sz="half" idx="2"/>
+          </p:nvPr>
+        </p:nvPicPr>
+        <p:blipFill>
+          <a:blip r:embed="rId2"/>
+          <a:stretch>
+            <a:fillRect/>
+          </a:stretch>
+        </p:blipFill>
+        <p:spPr>
+          <a:xfrm>
+            <a:off x="1516062" y="3593306"/>
+            <a:ext cx="3324225" cy="1600200"/>
+          </a:xfrm>
+        </p:spPr>
+      </p:pic>
+      <p:sp>
+        <p:nvSpPr>
+          <p:cNvPr id="5" name="Text Placeholder 4">
+            <a:extLst>
+              <a:ext uri="{FF2B5EF4-FFF2-40B4-BE49-F238E27FC236}">
+                <a16:creationId xmlns:a16="http://schemas.microsoft.com/office/drawing/2014/main" id="{057DCDDE-C005-4DEA-A183-ECF89D851163}"/>
+              </a:ext>
+            </a:extLst>
+          </p:cNvPr>
+          <p:cNvSpPr>
+            <a:spLocks noGrp="1"/>
+          </p:cNvSpPr>
+          <p:nvPr>
+            <p:ph type="body" sz="quarter" idx="3"/>
           </p:nvPr>
         </p:nvSpPr>
         <p:spPr/>
@@ -5034,14 +5067,314 @@
           <a:bodyPr/>
           <a:lstStyle/>
           <a:p>
-            <a:endParaRPr lang="en-US" dirty="0"/>
-          </a:p>
-        </p:txBody>
-      </p:sp>
+            <a:r>
+              <a:rPr lang="en-US" dirty="0"/>
+              <a:t>Shortest Path</a:t>
+            </a:r>
+          </a:p>
+        </p:txBody>
+      </p:sp>
+      <p:pic>
+        <p:nvPicPr>
+          <p:cNvPr id="10" name="Content Placeholder 9" descr="A close up of a clock&#10;&#10;Description automatically generated">
+            <a:extLst>
+              <a:ext uri="{FF2B5EF4-FFF2-40B4-BE49-F238E27FC236}">
+                <a16:creationId xmlns:a16="http://schemas.microsoft.com/office/drawing/2014/main" id="{6D47CBC4-E095-45BF-B88F-0DDAB1E47419}"/>
+              </a:ext>
+            </a:extLst>
+          </p:cNvPr>
+          <p:cNvPicPr>
+            <a:picLocks noGrp="1" noChangeAspect="1"/>
+          </p:cNvPicPr>
+          <p:nvPr>
+            <p:ph sz="quarter" idx="4"/>
+          </p:nvPr>
+        </p:nvPicPr>
+        <p:blipFill>
+          <a:blip r:embed="rId3"/>
+          <a:stretch>
+            <a:fillRect/>
+          </a:stretch>
+        </p:blipFill>
+        <p:spPr>
+          <a:xfrm>
+            <a:off x="7351712" y="3031331"/>
+            <a:ext cx="3324225" cy="2724150"/>
+          </a:xfrm>
+        </p:spPr>
+      </p:pic>
     </p:spTree>
     <p:extLst>
       <p:ext uri="{BB962C8B-B14F-4D97-AF65-F5344CB8AC3E}">
-        <p14:creationId xmlns:p14="http://schemas.microsoft.com/office/powerpoint/2010/main" val="1978142525"/>
+        <p14:creationId xmlns:p14="http://schemas.microsoft.com/office/powerpoint/2010/main" val="2046280262"/>
+      </p:ext>
+    </p:extLst>
+  </p:cSld>
+  <p:clrMapOvr>
+    <a:masterClrMapping/>
+  </p:clrMapOvr>
+  <p:timing>
+    <p:tnLst>
+      <p:par>
+        <p:cTn id="1" dur="indefinite" restart="never" nodeType="tmRoot">
+          <p:childTnLst>
+            <p:seq concurrent="1" nextAc="seek">
+              <p:cTn id="2" dur="indefinite" nodeType="mainSeq">
+                <p:childTnLst>
+                  <p:par>
+                    <p:cTn id="3" fill="hold">
+                      <p:stCondLst>
+                        <p:cond delay="indefinite"/>
+                      </p:stCondLst>
+                      <p:childTnLst>
+                        <p:par>
+                          <p:cTn id="4" fill="hold">
+                            <p:stCondLst>
+                              <p:cond delay="0"/>
+                            </p:stCondLst>
+                            <p:childTnLst>
+                              <p:par>
+                                <p:cTn id="5" presetID="10" presetClass="entr" presetSubtype="0" fill="hold" grpId="0" nodeType="clickEffect">
+                                  <p:stCondLst>
+                                    <p:cond delay="0"/>
+                                  </p:stCondLst>
+                                  <p:childTnLst>
+                                    <p:set>
+                                      <p:cBhvr>
+                                        <p:cTn id="6" dur="1" fill="hold">
+                                          <p:stCondLst>
+                                            <p:cond delay="0"/>
+                                          </p:stCondLst>
+                                        </p:cTn>
+                                        <p:tgtEl>
+                                          <p:spTgt spid="5">
+                                            <p:txEl>
+                                              <p:pRg st="0" end="0"/>
+                                            </p:txEl>
+                                          </p:spTgt>
+                                        </p:tgtEl>
+                                        <p:attrNameLst>
+                                          <p:attrName>style.visibility</p:attrName>
+                                        </p:attrNameLst>
+                                      </p:cBhvr>
+                                      <p:to>
+                                        <p:strVal val="visible"/>
+                                      </p:to>
+                                    </p:set>
+                                    <p:animEffect transition="in" filter="fade">
+                                      <p:cBhvr>
+                                        <p:cTn id="7" dur="2000"/>
+                                        <p:tgtEl>
+                                          <p:spTgt spid="5">
+                                            <p:txEl>
+                                              <p:pRg st="0" end="0"/>
+                                            </p:txEl>
+                                          </p:spTgt>
+                                        </p:tgtEl>
+                                      </p:cBhvr>
+                                    </p:animEffect>
+                                  </p:childTnLst>
+                                </p:cTn>
+                              </p:par>
+                            </p:childTnLst>
+                          </p:cTn>
+                        </p:par>
+                      </p:childTnLst>
+                    </p:cTn>
+                  </p:par>
+                  <p:par>
+                    <p:cTn id="8" fill="hold">
+                      <p:stCondLst>
+                        <p:cond delay="indefinite"/>
+                      </p:stCondLst>
+                      <p:childTnLst>
+                        <p:par>
+                          <p:cTn id="9" fill="hold">
+                            <p:stCondLst>
+                              <p:cond delay="0"/>
+                            </p:stCondLst>
+                            <p:childTnLst>
+                              <p:par>
+                                <p:cTn id="10" presetID="10" presetClass="entr" presetSubtype="0" fill="hold" nodeType="clickEffect">
+                                  <p:stCondLst>
+                                    <p:cond delay="0"/>
+                                  </p:stCondLst>
+                                  <p:childTnLst>
+                                    <p:set>
+                                      <p:cBhvr>
+                                        <p:cTn id="11" dur="1" fill="hold">
+                                          <p:stCondLst>
+                                            <p:cond delay="0"/>
+                                          </p:stCondLst>
+                                        </p:cTn>
+                                        <p:tgtEl>
+                                          <p:spTgt spid="10"/>
+                                        </p:tgtEl>
+                                        <p:attrNameLst>
+                                          <p:attrName>style.visibility</p:attrName>
+                                        </p:attrNameLst>
+                                      </p:cBhvr>
+                                      <p:to>
+                                        <p:strVal val="visible"/>
+                                      </p:to>
+                                    </p:set>
+                                    <p:animEffect transition="in" filter="fade">
+                                      <p:cBhvr>
+                                        <p:cTn id="12" dur="2000"/>
+                                        <p:tgtEl>
+                                          <p:spTgt spid="10"/>
+                                        </p:tgtEl>
+                                      </p:cBhvr>
+                                    </p:animEffect>
+                                  </p:childTnLst>
+                                </p:cTn>
+                              </p:par>
+                            </p:childTnLst>
+                          </p:cTn>
+                        </p:par>
+                      </p:childTnLst>
+                    </p:cTn>
+                  </p:par>
+                </p:childTnLst>
+              </p:cTn>
+              <p:prevCondLst>
+                <p:cond evt="onPrev" delay="0">
+                  <p:tgtEl>
+                    <p:sldTgt/>
+                  </p:tgtEl>
+                </p:cond>
+              </p:prevCondLst>
+              <p:nextCondLst>
+                <p:cond evt="onNext" delay="0">
+                  <p:tgtEl>
+                    <p:sldTgt/>
+                  </p:tgtEl>
+                </p:cond>
+              </p:nextCondLst>
+            </p:seq>
+          </p:childTnLst>
+        </p:cTn>
+      </p:par>
+    </p:tnLst>
+    <p:bldLst>
+      <p:bldP spid="5" grpId="0" build="p"/>
+    </p:bldLst>
+  </p:timing>
+</p:sld>
+</file>
+
+<file path=ppt/slides/slide5.xml><?xml version="1.0" encoding="utf-8"?>
+<p:sld xmlns:a="http://schemas.openxmlformats.org/drawingml/2006/main" xmlns:r="http://schemas.openxmlformats.org/officeDocument/2006/relationships" xmlns:p="http://schemas.openxmlformats.org/presentationml/2006/main">
+  <p:cSld>
+    <p:spTree>
+      <p:nvGrpSpPr>
+        <p:cNvPr id="1" name=""/>
+        <p:cNvGrpSpPr/>
+        <p:nvPr/>
+      </p:nvGrpSpPr>
+      <p:grpSpPr>
+        <a:xfrm>
+          <a:off x="0" y="0"/>
+          <a:ext cx="0" cy="0"/>
+          <a:chOff x="0" y="0"/>
+          <a:chExt cx="0" cy="0"/>
+        </a:xfrm>
+      </p:grpSpPr>
+      <p:sp>
+        <p:nvSpPr>
+          <p:cNvPr id="2" name="Title 1">
+            <a:extLst>
+              <a:ext uri="{FF2B5EF4-FFF2-40B4-BE49-F238E27FC236}">
+                <a16:creationId xmlns:a16="http://schemas.microsoft.com/office/drawing/2014/main" id="{E3DD18A9-2F46-43EB-B44E-652F599C1607}"/>
+              </a:ext>
+            </a:extLst>
+          </p:cNvPr>
+          <p:cNvSpPr>
+            <a:spLocks noGrp="1"/>
+          </p:cNvSpPr>
+          <p:nvPr>
+            <p:ph type="title"/>
+          </p:nvPr>
+        </p:nvSpPr>
+        <p:spPr/>
+        <p:txBody>
+          <a:bodyPr/>
+          <a:lstStyle/>
+          <a:p>
+            <a:r>
+              <a:rPr lang="en-US" dirty="0"/>
+              <a:t>Questions?</a:t>
+            </a:r>
+          </a:p>
+        </p:txBody>
+      </p:sp>
+      <p:sp>
+        <p:nvSpPr>
+          <p:cNvPr id="3" name="Text Placeholder 2">
+            <a:extLst>
+              <a:ext uri="{FF2B5EF4-FFF2-40B4-BE49-F238E27FC236}">
+                <a16:creationId xmlns:a16="http://schemas.microsoft.com/office/drawing/2014/main" id="{BD1C0C01-4EBD-44C2-BACF-474CC8E12BC9}"/>
+              </a:ext>
+            </a:extLst>
+          </p:cNvPr>
+          <p:cNvSpPr>
+            <a:spLocks noGrp="1"/>
+          </p:cNvSpPr>
+          <p:nvPr>
+            <p:ph type="body" idx="1"/>
+          </p:nvPr>
+        </p:nvSpPr>
+        <p:spPr/>
+        <p:txBody>
+          <a:bodyPr/>
+          <a:lstStyle/>
+          <a:p>
+            <a:r>
+              <a:rPr lang="en-US" dirty="0"/>
+              <a:t>Comments?</a:t>
+            </a:r>
+          </a:p>
+        </p:txBody>
+      </p:sp>
+      <p:sp>
+        <p:nvSpPr>
+          <p:cNvPr id="4" name="TextBox 3">
+            <a:extLst>
+              <a:ext uri="{FF2B5EF4-FFF2-40B4-BE49-F238E27FC236}">
+                <a16:creationId xmlns:a16="http://schemas.microsoft.com/office/drawing/2014/main" id="{8D725539-2DF1-4C88-8300-D83B1A0F6404}"/>
+              </a:ext>
+            </a:extLst>
+          </p:cNvPr>
+          <p:cNvSpPr txBox="1"/>
+          <p:nvPr/>
+        </p:nvSpPr>
+        <p:spPr>
+          <a:xfrm>
+            <a:off x="10001251" y="5934075"/>
+            <a:ext cx="1828800" cy="369332"/>
+          </a:xfrm>
+          <a:prstGeom prst="rect">
+            <a:avLst/>
+          </a:prstGeom>
+          <a:noFill/>
+        </p:spPr>
+        <p:txBody>
+          <a:bodyPr wrap="square" rtlCol="0">
+            <a:spAutoFit/>
+          </a:bodyPr>
+          <a:lstStyle/>
+          <a:p>
+            <a:r>
+              <a:rPr lang="en-US" dirty="0"/>
+              <a:t>Snide remarks?</a:t>
+            </a:r>
+          </a:p>
+        </p:txBody>
+      </p:sp>
+    </p:spTree>
+    <p:extLst>
+      <p:ext uri="{BB962C8B-B14F-4D97-AF65-F5344CB8AC3E}">
+        <p14:creationId xmlns:p14="http://schemas.microsoft.com/office/powerpoint/2010/main" val="1341036808"/>
       </p:ext>
     </p:extLst>
   </p:cSld>
@@ -5321,6 +5654,24 @@
 </file>
 
 <file path=customXml/item1.xml><?xml version="1.0" encoding="utf-8"?>
+<p:properties xmlns:p="http://schemas.microsoft.com/office/2006/metadata/properties" xmlns:xsi="http://www.w3.org/2001/XMLSchema-instance" xmlns:pc="http://schemas.microsoft.com/office/infopath/2007/PartnerControls">
+  <documentManagement>
+    <Status xmlns="71af3243-3dd4-4a8d-8c0d-dd76da1f02a5">Not started</Status>
+    <MediaServiceKeyPoints xmlns="71af3243-3dd4-4a8d-8c0d-dd76da1f02a5" xsi:nil="true"/>
+  </documentManagement>
+</p:properties>
+</file>
+
+<file path=customXml/item2.xml><?xml version="1.0" encoding="utf-8"?>
+<?mso-contentType ?>
+<FormTemplates xmlns="http://schemas.microsoft.com/sharepoint/v3/contenttype/forms">
+  <Display>DocumentLibraryForm</Display>
+  <Edit>DocumentLibraryForm</Edit>
+  <New>DocumentLibraryForm</New>
+</FormTemplates>
+</file>
+
+<file path=customXml/item3.xml><?xml version="1.0" encoding="utf-8"?>
 <ct:contentTypeSchema xmlns:ct="http://schemas.microsoft.com/office/2006/metadata/contentType" xmlns:ma="http://schemas.microsoft.com/office/2006/metadata/properties/metaAttributes" ct:_="" ma:_="" ma:contentTypeName="Document" ma:contentTypeID="0x01010079F111ED35F8CC479449609E8A0923A6" ma:contentTypeVersion="12" ma:contentTypeDescription="Create a new document." ma:contentTypeScope="" ma:versionID="a410dd7f93c95333ffa1b60ed6adedd1">
   <xsd:schema xmlns:xsd="http://www.w3.org/2001/XMLSchema" xmlns:xs="http://www.w3.org/2001/XMLSchema" xmlns:p="http://schemas.microsoft.com/office/2006/metadata/properties" xmlns:ns2="71af3243-3dd4-4a8d-8c0d-dd76da1f02a5" xmlns:ns3="16c05727-aa75-4e4a-9b5f-8a80a1165891" targetNamespace="http://schemas.microsoft.com/office/2006/metadata/properties" ma:root="true" ma:fieldsID="a936d9baba76aa3866493feff160faab" ns2:_="" ns3:_="">
     <xsd:import namespace="71af3243-3dd4-4a8d-8c0d-dd76da1f02a5"/>
@@ -5541,25 +5892,25 @@
 </ct:contentTypeSchema>
 </file>
 
-<file path=customXml/item2.xml><?xml version="1.0" encoding="utf-8"?>
-<?mso-contentType ?>
-<FormTemplates xmlns="http://schemas.microsoft.com/sharepoint/v3/contenttype/forms">
-  <Display>DocumentLibraryForm</Display>
-  <Edit>DocumentLibraryForm</Edit>
-  <New>DocumentLibraryForm</New>
-</FormTemplates>
+<file path=customXml/itemProps1.xml><?xml version="1.0" encoding="utf-8"?>
+<ds:datastoreItem xmlns:ds="http://schemas.openxmlformats.org/officeDocument/2006/customXml" ds:itemID="{8D289AE2-D2AE-49D1-AFAC-3A79F6794255}">
+  <ds:schemaRefs>
+    <ds:schemaRef ds:uri="http://schemas.microsoft.com/office/2006/metadata/properties"/>
+    <ds:schemaRef ds:uri="http://schemas.microsoft.com/office/infopath/2007/PartnerControls"/>
+    <ds:schemaRef ds:uri="71af3243-3dd4-4a8d-8c0d-dd76da1f02a5"/>
+  </ds:schemaRefs>
+</ds:datastoreItem>
 </file>
 
-<file path=customXml/item3.xml><?xml version="1.0" encoding="utf-8"?>
-<p:properties xmlns:p="http://schemas.microsoft.com/office/2006/metadata/properties" xmlns:xsi="http://www.w3.org/2001/XMLSchema-instance" xmlns:pc="http://schemas.microsoft.com/office/infopath/2007/PartnerControls">
-  <documentManagement>
-    <Status xmlns="71af3243-3dd4-4a8d-8c0d-dd76da1f02a5">Not started</Status>
-    <MediaServiceKeyPoints xmlns="71af3243-3dd4-4a8d-8c0d-dd76da1f02a5" xsi:nil="true"/>
-  </documentManagement>
-</p:properties>
+<file path=customXml/itemProps2.xml><?xml version="1.0" encoding="utf-8"?>
+<ds:datastoreItem xmlns:ds="http://schemas.openxmlformats.org/officeDocument/2006/customXml" ds:itemID="{927BD4C1-B6B1-4715-ABF9-E660A51A4EA0}">
+  <ds:schemaRefs>
+    <ds:schemaRef ds:uri="http://schemas.microsoft.com/sharepoint/v3/contenttype/forms"/>
+  </ds:schemaRefs>
+</ds:datastoreItem>
 </file>
 
-<file path=customXml/itemProps1.xml><?xml version="1.0" encoding="utf-8"?>
+<file path=customXml/itemProps3.xml><?xml version="1.0" encoding="utf-8"?>
 <ds:datastoreItem xmlns:ds="http://schemas.openxmlformats.org/officeDocument/2006/customXml" ds:itemID="{41E7CA09-9778-4414-AE97-8064B12DA30E}">
   <ds:schemaRefs>
     <ds:schemaRef ds:uri="http://schemas.microsoft.com/office/2006/metadata/contentType"/>
@@ -5576,22 +5927,4 @@
     <ds:schemaRef ds:uri="http://schemas.microsoft.com/internal/obd"/>
   </ds:schemaRefs>
 </ds:datastoreItem>
-</file>
-
-<file path=customXml/itemProps2.xml><?xml version="1.0" encoding="utf-8"?>
-<ds:datastoreItem xmlns:ds="http://schemas.openxmlformats.org/officeDocument/2006/customXml" ds:itemID="{927BD4C1-B6B1-4715-ABF9-E660A51A4EA0}">
-  <ds:schemaRefs>
-    <ds:schemaRef ds:uri="http://schemas.microsoft.com/sharepoint/v3/contenttype/forms"/>
-  </ds:schemaRefs>
-</ds:datastoreItem>
-</file>
-
-<file path=customXml/itemProps3.xml><?xml version="1.0" encoding="utf-8"?>
-<ds:datastoreItem xmlns:ds="http://schemas.openxmlformats.org/officeDocument/2006/customXml" ds:itemID="{8D289AE2-D2AE-49D1-AFAC-3A79F6794255}">
-  <ds:schemaRefs>
-    <ds:schemaRef ds:uri="http://schemas.microsoft.com/office/2006/metadata/properties"/>
-    <ds:schemaRef ds:uri="http://schemas.microsoft.com/office/infopath/2007/PartnerControls"/>
-    <ds:schemaRef ds:uri="71af3243-3dd4-4a8d-8c0d-dd76da1f02a5"/>
-  </ds:schemaRefs>
-</ds:datastoreItem>
 </file>